--- a/0040_pllsyn/rtl/schematic/pll_test.pptx
+++ b/0040_pllsyn/rtl/schematic/pll_test.pptx
@@ -197,7 +197,7 @@
           <a:p>
             <a:fld id="{B9E5BF02-4A65-43B2-AA51-912306618617}" type="datetimeFigureOut">
               <a:rPr lang="en-US" smtClean="0"/>
-              <a:t>9/12/2017</a:t>
+              <a:t>9/13/2017</a:t>
             </a:fld>
             <a:endParaRPr lang="en-US"/>
           </a:p>
@@ -685,7 +685,7 @@
           <a:p>
             <a:fld id="{F8F920B2-3E99-4C9D-9450-62A3DEC5476B}" type="datetimeFigureOut">
               <a:rPr lang="en-US" smtClean="0"/>
-              <a:t>9/12/2017</a:t>
+              <a:t>9/13/2017</a:t>
             </a:fld>
             <a:endParaRPr lang="en-US"/>
           </a:p>
@@ -855,7 +855,7 @@
           <a:p>
             <a:fld id="{F8F920B2-3E99-4C9D-9450-62A3DEC5476B}" type="datetimeFigureOut">
               <a:rPr lang="en-US" smtClean="0"/>
-              <a:t>9/12/2017</a:t>
+              <a:t>9/13/2017</a:t>
             </a:fld>
             <a:endParaRPr lang="en-US"/>
           </a:p>
@@ -1035,7 +1035,7 @@
           <a:p>
             <a:fld id="{F8F920B2-3E99-4C9D-9450-62A3DEC5476B}" type="datetimeFigureOut">
               <a:rPr lang="en-US" smtClean="0"/>
-              <a:t>9/12/2017</a:t>
+              <a:t>9/13/2017</a:t>
             </a:fld>
             <a:endParaRPr lang="en-US"/>
           </a:p>
@@ -1205,7 +1205,7 @@
           <a:p>
             <a:fld id="{F8F920B2-3E99-4C9D-9450-62A3DEC5476B}" type="datetimeFigureOut">
               <a:rPr lang="en-US" smtClean="0"/>
-              <a:t>9/12/2017</a:t>
+              <a:t>9/13/2017</a:t>
             </a:fld>
             <a:endParaRPr lang="en-US"/>
           </a:p>
@@ -1449,7 +1449,7 @@
           <a:p>
             <a:fld id="{F8F920B2-3E99-4C9D-9450-62A3DEC5476B}" type="datetimeFigureOut">
               <a:rPr lang="en-US" smtClean="0"/>
-              <a:t>9/12/2017</a:t>
+              <a:t>9/13/2017</a:t>
             </a:fld>
             <a:endParaRPr lang="en-US"/>
           </a:p>
@@ -1681,7 +1681,7 @@
           <a:p>
             <a:fld id="{F8F920B2-3E99-4C9D-9450-62A3DEC5476B}" type="datetimeFigureOut">
               <a:rPr lang="en-US" smtClean="0"/>
-              <a:t>9/12/2017</a:t>
+              <a:t>9/13/2017</a:t>
             </a:fld>
             <a:endParaRPr lang="en-US"/>
           </a:p>
@@ -2048,7 +2048,7 @@
           <a:p>
             <a:fld id="{F8F920B2-3E99-4C9D-9450-62A3DEC5476B}" type="datetimeFigureOut">
               <a:rPr lang="en-US" smtClean="0"/>
-              <a:t>9/12/2017</a:t>
+              <a:t>9/13/2017</a:t>
             </a:fld>
             <a:endParaRPr lang="en-US"/>
           </a:p>
@@ -2166,7 +2166,7 @@
           <a:p>
             <a:fld id="{F8F920B2-3E99-4C9D-9450-62A3DEC5476B}" type="datetimeFigureOut">
               <a:rPr lang="en-US" smtClean="0"/>
-              <a:t>9/12/2017</a:t>
+              <a:t>9/13/2017</a:t>
             </a:fld>
             <a:endParaRPr lang="en-US"/>
           </a:p>
@@ -2261,7 +2261,7 @@
           <a:p>
             <a:fld id="{F8F920B2-3E99-4C9D-9450-62A3DEC5476B}" type="datetimeFigureOut">
               <a:rPr lang="en-US" smtClean="0"/>
-              <a:t>9/12/2017</a:t>
+              <a:t>9/13/2017</a:t>
             </a:fld>
             <a:endParaRPr lang="en-US"/>
           </a:p>
@@ -2538,7 +2538,7 @@
           <a:p>
             <a:fld id="{F8F920B2-3E99-4C9D-9450-62A3DEC5476B}" type="datetimeFigureOut">
               <a:rPr lang="en-US" smtClean="0"/>
-              <a:t>9/12/2017</a:t>
+              <a:t>9/13/2017</a:t>
             </a:fld>
             <a:endParaRPr lang="en-US"/>
           </a:p>
@@ -2795,7 +2795,7 @@
           <a:p>
             <a:fld id="{F8F920B2-3E99-4C9D-9450-62A3DEC5476B}" type="datetimeFigureOut">
               <a:rPr lang="en-US" smtClean="0"/>
-              <a:t>9/12/2017</a:t>
+              <a:t>9/13/2017</a:t>
             </a:fld>
             <a:endParaRPr lang="en-US"/>
           </a:p>
@@ -3008,7 +3008,7 @@
           <a:p>
             <a:fld id="{F8F920B2-3E99-4C9D-9450-62A3DEC5476B}" type="datetimeFigureOut">
               <a:rPr lang="en-US" smtClean="0"/>
-              <a:t>9/12/2017</a:t>
+              <a:t>9/13/2017</a:t>
             </a:fld>
             <a:endParaRPr lang="en-US"/>
           </a:p>
@@ -3486,7 +3486,7 @@
         </p:nvSpPr>
         <p:spPr>
           <a:xfrm>
-            <a:off x="1600200" y="2667000"/>
+            <a:off x="1600200" y="2514600"/>
             <a:ext cx="1371600" cy="1371600"/>
           </a:xfrm>
           <a:prstGeom prst="rect">
@@ -3547,7 +3547,7 @@
         </p:nvSpPr>
         <p:spPr>
           <a:xfrm>
-            <a:off x="1600200" y="2971800"/>
+            <a:off x="1600200" y="2819400"/>
             <a:ext cx="457200" cy="152400"/>
           </a:xfrm>
           <a:prstGeom prst="rect">
@@ -3588,13 +3588,6 @@
               </a:rPr>
               <a:t>DIN</a:t>
             </a:r>
-            <a:endParaRPr lang="en-US" sz="900" dirty="0">
-              <a:solidFill>
-                <a:srgbClr val="000000"/>
-              </a:solidFill>
-              <a:latin typeface="Courier New" panose="02070309020205020404" pitchFamily="49" charset="0"/>
-              <a:cs typeface="Courier New" panose="02070309020205020404" pitchFamily="49" charset="0"/>
-            </a:endParaRPr>
           </a:p>
         </p:txBody>
       </p:sp>
@@ -3606,7 +3599,7 @@
         </p:nvSpPr>
         <p:spPr>
           <a:xfrm>
-            <a:off x="1600200" y="3200400"/>
+            <a:off x="1600200" y="3048000"/>
             <a:ext cx="457200" cy="152400"/>
           </a:xfrm>
           <a:prstGeom prst="rect">
@@ -3647,13 +3640,6 @@
               </a:rPr>
               <a:t>TIMEOUT</a:t>
             </a:r>
-            <a:endParaRPr lang="en-US" sz="900" dirty="0">
-              <a:solidFill>
-                <a:srgbClr val="000000"/>
-              </a:solidFill>
-              <a:latin typeface="Courier New" panose="02070309020205020404" pitchFamily="49" charset="0"/>
-              <a:cs typeface="Courier New" panose="02070309020205020404" pitchFamily="49" charset="0"/>
-            </a:endParaRPr>
           </a:p>
         </p:txBody>
       </p:sp>
@@ -3665,7 +3651,7 @@
         </p:nvSpPr>
         <p:spPr>
           <a:xfrm>
-            <a:off x="1600200" y="3657600"/>
+            <a:off x="1600200" y="3505200"/>
             <a:ext cx="457200" cy="152400"/>
           </a:xfrm>
           <a:prstGeom prst="rect">
@@ -3706,13 +3692,6 @@
               </a:rPr>
               <a:t>CLK</a:t>
             </a:r>
-            <a:endParaRPr lang="en-US" sz="900" dirty="0">
-              <a:solidFill>
-                <a:srgbClr val="000000"/>
-              </a:solidFill>
-              <a:latin typeface="Courier New" panose="02070309020205020404" pitchFamily="49" charset="0"/>
-              <a:cs typeface="Courier New" panose="02070309020205020404" pitchFamily="49" charset="0"/>
-            </a:endParaRPr>
           </a:p>
         </p:txBody>
       </p:sp>
@@ -3724,7 +3703,7 @@
         </p:nvCxnSpPr>
         <p:spPr>
           <a:xfrm flipH="1" flipV="1">
-            <a:off x="1600200" y="3733800"/>
+            <a:off x="1600200" y="3581400"/>
             <a:ext cx="76200" cy="76200"/>
           </a:xfrm>
           <a:prstGeom prst="line">
@@ -3761,7 +3740,7 @@
         </p:nvCxnSpPr>
         <p:spPr>
           <a:xfrm flipH="1">
-            <a:off x="1600200" y="3810000"/>
+            <a:off x="1600200" y="3657600"/>
             <a:ext cx="76200" cy="76200"/>
           </a:xfrm>
           <a:prstGeom prst="line">
@@ -3798,7 +3777,7 @@
         </p:nvSpPr>
         <p:spPr>
           <a:xfrm>
-            <a:off x="1600200" y="3429000"/>
+            <a:off x="1600200" y="3276600"/>
             <a:ext cx="457200" cy="152400"/>
           </a:xfrm>
           <a:prstGeom prst="rect">
@@ -3839,13 +3818,6 @@
               </a:rPr>
               <a:t>RSTX</a:t>
             </a:r>
-            <a:endParaRPr lang="en-US" sz="900" dirty="0">
-              <a:solidFill>
-                <a:srgbClr val="000000"/>
-              </a:solidFill>
-              <a:latin typeface="Courier New" panose="02070309020205020404" pitchFamily="49" charset="0"/>
-              <a:cs typeface="Courier New" panose="02070309020205020404" pitchFamily="49" charset="0"/>
-            </a:endParaRPr>
           </a:p>
         </p:txBody>
       </p:sp>
@@ -3857,7 +3829,7 @@
         </p:nvSpPr>
         <p:spPr>
           <a:xfrm>
-            <a:off x="2514600" y="2971800"/>
+            <a:off x="2514600" y="2819400"/>
             <a:ext cx="457200" cy="152400"/>
           </a:xfrm>
           <a:prstGeom prst="rect">
@@ -3899,6 +3871,80 @@
               </a:rPr>
               <a:t>DOUT</a:t>
             </a:r>
+          </a:p>
+        </p:txBody>
+      </p:sp>
+      <p:sp>
+        <p:nvSpPr>
+          <p:cNvPr id="613" name="Rectangle 612"/>
+          <p:cNvSpPr/>
+          <p:nvPr/>
+        </p:nvSpPr>
+        <p:spPr>
+          <a:xfrm>
+            <a:off x="1600200" y="2209800"/>
+            <a:ext cx="457200" cy="304800"/>
+          </a:xfrm>
+          <a:prstGeom prst="rect">
+            <a:avLst/>
+          </a:prstGeom>
+          <a:noFill/>
+          <a:ln>
+            <a:noFill/>
+          </a:ln>
+        </p:spPr>
+        <p:style>
+          <a:lnRef idx="2">
+            <a:schemeClr val="accent1">
+              <a:shade val="50000"/>
+            </a:schemeClr>
+          </a:lnRef>
+          <a:fillRef idx="1">
+            <a:schemeClr val="accent1"/>
+          </a:fillRef>
+          <a:effectRef idx="0">
+            <a:schemeClr val="accent1"/>
+          </a:effectRef>
+          <a:fontRef idx="minor">
+            <a:schemeClr val="lt1"/>
+          </a:fontRef>
+        </p:style>
+        <p:txBody>
+          <a:bodyPr wrap="none" lIns="45720" rIns="45720" rtlCol="0" anchor="ctr"/>
+          <a:lstStyle/>
+          <a:p>
+            <a:r>
+              <a:rPr lang="en-US" sz="900" dirty="0">
+                <a:solidFill>
+                  <a:srgbClr val="000000"/>
+                </a:solidFill>
+                <a:latin typeface="Courier New" panose="02070309020205020404" pitchFamily="49" charset="0"/>
+                <a:cs typeface="Courier New" panose="02070309020205020404" pitchFamily="49" charset="0"/>
+              </a:rPr>
+              <a:t>#(.BW(12</a:t>
+            </a:r>
+            <a:r>
+              <a:rPr lang="en-US" sz="900" dirty="0" smtClean="0">
+                <a:solidFill>
+                  <a:srgbClr val="000000"/>
+                </a:solidFill>
+                <a:latin typeface="Courier New" panose="02070309020205020404" pitchFamily="49" charset="0"/>
+                <a:cs typeface="Courier New" panose="02070309020205020404" pitchFamily="49" charset="0"/>
+              </a:rPr>
+              <a:t>), .RV(1’b1))</a:t>
+            </a:r>
+          </a:p>
+          <a:p>
+            <a:r>
+              <a:rPr lang="en-US" sz="900" dirty="0" err="1" smtClean="0">
+                <a:solidFill>
+                  <a:srgbClr val="000000"/>
+                </a:solidFill>
+                <a:latin typeface="Courier New" panose="02070309020205020404" pitchFamily="49" charset="0"/>
+                <a:cs typeface="Courier New" panose="02070309020205020404" pitchFamily="49" charset="0"/>
+              </a:rPr>
+              <a:t>i_dechat_up</a:t>
+            </a:r>
             <a:endParaRPr lang="en-US" sz="900" dirty="0">
               <a:solidFill>
                 <a:srgbClr val="000000"/>
@@ -3909,75 +3955,6 @@
           </a:p>
         </p:txBody>
       </p:sp>
-      <p:sp>
-        <p:nvSpPr>
-          <p:cNvPr id="613" name="Rectangle 612"/>
-          <p:cNvSpPr/>
-          <p:nvPr/>
-        </p:nvSpPr>
-        <p:spPr>
-          <a:xfrm>
-            <a:off x="1600200" y="2514600"/>
-            <a:ext cx="457200" cy="152400"/>
-          </a:xfrm>
-          <a:prstGeom prst="rect">
-            <a:avLst/>
-          </a:prstGeom>
-          <a:noFill/>
-          <a:ln>
-            <a:noFill/>
-          </a:ln>
-        </p:spPr>
-        <p:style>
-          <a:lnRef idx="2">
-            <a:schemeClr val="accent1">
-              <a:shade val="50000"/>
-            </a:schemeClr>
-          </a:lnRef>
-          <a:fillRef idx="1">
-            <a:schemeClr val="accent1"/>
-          </a:fillRef>
-          <a:effectRef idx="0">
-            <a:schemeClr val="accent1"/>
-          </a:effectRef>
-          <a:fontRef idx="minor">
-            <a:schemeClr val="lt1"/>
-          </a:fontRef>
-        </p:style>
-        <p:txBody>
-          <a:bodyPr wrap="none" lIns="45720" rIns="45720" rtlCol="0" anchor="ctr"/>
-          <a:lstStyle/>
-          <a:p>
-            <a:r>
-              <a:rPr lang="en-US" sz="900" dirty="0">
-                <a:solidFill>
-                  <a:srgbClr val="000000"/>
-                </a:solidFill>
-                <a:latin typeface="Courier New" panose="02070309020205020404" pitchFamily="49" charset="0"/>
-                <a:cs typeface="Courier New" panose="02070309020205020404" pitchFamily="49" charset="0"/>
-              </a:rPr>
-              <a:t>#(.BW(12)) </a:t>
-            </a:r>
-            <a:r>
-              <a:rPr lang="en-US" sz="900" dirty="0" err="1">
-                <a:solidFill>
-                  <a:srgbClr val="000000"/>
-                </a:solidFill>
-                <a:latin typeface="Courier New" panose="02070309020205020404" pitchFamily="49" charset="0"/>
-                <a:cs typeface="Courier New" panose="02070309020205020404" pitchFamily="49" charset="0"/>
-              </a:rPr>
-              <a:t>i_dechat_up</a:t>
-            </a:r>
-            <a:endParaRPr lang="en-US" sz="900" dirty="0">
-              <a:solidFill>
-                <a:srgbClr val="000000"/>
-              </a:solidFill>
-              <a:latin typeface="Courier New" panose="02070309020205020404" pitchFamily="49" charset="0"/>
-              <a:cs typeface="Courier New" panose="02070309020205020404" pitchFamily="49" charset="0"/>
-            </a:endParaRPr>
-          </a:p>
-        </p:txBody>
-      </p:sp>
       <p:cxnSp>
         <p:nvCxnSpPr>
           <p:cNvPr id="614" name="Straight Connector 613"/>
@@ -3989,7 +3966,7 @@
         </p:nvCxnSpPr>
         <p:spPr>
           <a:xfrm>
-            <a:off x="381000" y="3048000"/>
+            <a:off x="381000" y="2895600"/>
             <a:ext cx="1219200" cy="0"/>
           </a:xfrm>
           <a:prstGeom prst="line">
@@ -4026,7 +4003,7 @@
         </p:nvSpPr>
         <p:spPr>
           <a:xfrm>
-            <a:off x="152400" y="2971800"/>
+            <a:off x="152400" y="2819400"/>
             <a:ext cx="228600" cy="152400"/>
           </a:xfrm>
           <a:prstGeom prst="homePlate">
@@ -4077,7 +4054,7 @@
         </p:nvCxnSpPr>
         <p:spPr>
           <a:xfrm flipV="1">
-            <a:off x="457200" y="2971800"/>
+            <a:off x="457200" y="2819400"/>
             <a:ext cx="152400" cy="152400"/>
           </a:xfrm>
           <a:prstGeom prst="line">
@@ -4114,7 +4091,7 @@
         </p:nvSpPr>
         <p:spPr>
           <a:xfrm>
-            <a:off x="457200" y="2895600"/>
+            <a:off x="457200" y="2743200"/>
             <a:ext cx="152400" cy="76200"/>
           </a:xfrm>
           <a:prstGeom prst="rect">
@@ -4167,7 +4144,7 @@
         </p:nvSpPr>
         <p:spPr>
           <a:xfrm>
-            <a:off x="762000" y="2895600"/>
+            <a:off x="762000" y="2743200"/>
             <a:ext cx="457200" cy="152400"/>
           </a:xfrm>
           <a:prstGeom prst="rect">
@@ -4222,7 +4199,7 @@
         </p:nvCxnSpPr>
         <p:spPr>
           <a:xfrm>
-            <a:off x="990600" y="3276600"/>
+            <a:off x="990600" y="3124200"/>
             <a:ext cx="609600" cy="0"/>
           </a:xfrm>
           <a:prstGeom prst="line">
@@ -4259,7 +4236,7 @@
         </p:nvSpPr>
         <p:spPr>
           <a:xfrm>
-            <a:off x="533400" y="3200400"/>
+            <a:off x="533400" y="3048000"/>
             <a:ext cx="457200" cy="152400"/>
           </a:xfrm>
           <a:prstGeom prst="rect">
@@ -4301,13 +4278,6 @@
               </a:rPr>
               <a:t>12’d2499</a:t>
             </a:r>
-            <a:endParaRPr lang="en-US" sz="900" dirty="0">
-              <a:solidFill>
-                <a:srgbClr val="000000"/>
-              </a:solidFill>
-              <a:latin typeface="Courier New" panose="02070309020205020404" pitchFamily="49" charset="0"/>
-              <a:cs typeface="Courier New" panose="02070309020205020404" pitchFamily="49" charset="0"/>
-            </a:endParaRPr>
           </a:p>
         </p:txBody>
       </p:sp>
@@ -4322,7 +4292,7 @@
         </p:nvCxnSpPr>
         <p:spPr>
           <a:xfrm>
-            <a:off x="2971800" y="3048000"/>
+            <a:off x="2971800" y="2895600"/>
             <a:ext cx="1828800" cy="0"/>
           </a:xfrm>
           <a:prstGeom prst="line">
@@ -4359,7 +4329,7 @@
         </p:nvSpPr>
         <p:spPr>
           <a:xfrm>
-            <a:off x="3276600" y="2895600"/>
+            <a:off x="3276600" y="2743200"/>
             <a:ext cx="457200" cy="152400"/>
           </a:xfrm>
           <a:prstGeom prst="rect">
@@ -4418,7 +4388,7 @@
         </p:nvCxnSpPr>
         <p:spPr>
           <a:xfrm flipV="1">
-            <a:off x="3048000" y="2971800"/>
+            <a:off x="3048000" y="2819400"/>
             <a:ext cx="152400" cy="152400"/>
           </a:xfrm>
           <a:prstGeom prst="line">
@@ -4455,7 +4425,7 @@
         </p:nvSpPr>
         <p:spPr>
           <a:xfrm>
-            <a:off x="3048000" y="2895600"/>
+            <a:off x="3048000" y="2743200"/>
             <a:ext cx="152400" cy="76200"/>
           </a:xfrm>
           <a:prstGeom prst="rect">
@@ -4610,13 +4580,6 @@
               </a:rPr>
               <a:t>DIN</a:t>
             </a:r>
-            <a:endParaRPr lang="en-US" sz="900" dirty="0">
-              <a:solidFill>
-                <a:srgbClr val="000000"/>
-              </a:solidFill>
-              <a:latin typeface="Courier New" panose="02070309020205020404" pitchFamily="49" charset="0"/>
-              <a:cs typeface="Courier New" panose="02070309020205020404" pitchFamily="49" charset="0"/>
-            </a:endParaRPr>
           </a:p>
         </p:txBody>
       </p:sp>
@@ -4669,13 +4632,6 @@
               </a:rPr>
               <a:t>TIMEOUT</a:t>
             </a:r>
-            <a:endParaRPr lang="en-US" sz="900" dirty="0">
-              <a:solidFill>
-                <a:srgbClr val="000000"/>
-              </a:solidFill>
-              <a:latin typeface="Courier New" panose="02070309020205020404" pitchFamily="49" charset="0"/>
-              <a:cs typeface="Courier New" panose="02070309020205020404" pitchFamily="49" charset="0"/>
-            </a:endParaRPr>
           </a:p>
         </p:txBody>
       </p:sp>
@@ -4728,13 +4684,6 @@
               </a:rPr>
               <a:t>CLK</a:t>
             </a:r>
-            <a:endParaRPr lang="en-US" sz="900" dirty="0">
-              <a:solidFill>
-                <a:srgbClr val="000000"/>
-              </a:solidFill>
-              <a:latin typeface="Courier New" panose="02070309020205020404" pitchFamily="49" charset="0"/>
-              <a:cs typeface="Courier New" panose="02070309020205020404" pitchFamily="49" charset="0"/>
-            </a:endParaRPr>
           </a:p>
         </p:txBody>
       </p:sp>
@@ -4861,13 +4810,6 @@
               </a:rPr>
               <a:t>RSTX</a:t>
             </a:r>
-            <a:endParaRPr lang="en-US" sz="900" dirty="0">
-              <a:solidFill>
-                <a:srgbClr val="000000"/>
-              </a:solidFill>
-              <a:latin typeface="Courier New" panose="02070309020205020404" pitchFamily="49" charset="0"/>
-              <a:cs typeface="Courier New" panose="02070309020205020404" pitchFamily="49" charset="0"/>
-            </a:endParaRPr>
           </a:p>
         </p:txBody>
       </p:sp>
@@ -4921,13 +4863,6 @@
               </a:rPr>
               <a:t>DOUT</a:t>
             </a:r>
-            <a:endParaRPr lang="en-US" sz="900" dirty="0">
-              <a:solidFill>
-                <a:srgbClr val="000000"/>
-              </a:solidFill>
-              <a:latin typeface="Courier New" panose="02070309020205020404" pitchFamily="49" charset="0"/>
-              <a:cs typeface="Courier New" panose="02070309020205020404" pitchFamily="49" charset="0"/>
-            </a:endParaRPr>
           </a:p>
         </p:txBody>
       </p:sp>
@@ -4939,8 +4874,8 @@
         </p:nvSpPr>
         <p:spPr>
           <a:xfrm>
-            <a:off x="1600200" y="4191000"/>
-            <a:ext cx="457200" cy="152400"/>
+            <a:off x="1600200" y="4038600"/>
+            <a:ext cx="457200" cy="304800"/>
           </a:xfrm>
           <a:prstGeom prst="rect">
             <a:avLst/>
@@ -4978,10 +4913,22 @@
                 <a:latin typeface="Courier New" panose="02070309020205020404" pitchFamily="49" charset="0"/>
                 <a:cs typeface="Courier New" panose="02070309020205020404" pitchFamily="49" charset="0"/>
               </a:rPr>
-              <a:t>#(.BW(12)) </a:t>
-            </a:r>
-            <a:r>
-              <a:rPr lang="en-US" sz="900" dirty="0" err="1">
+              <a:t>#(.BW(12</a:t>
+            </a:r>
+            <a:r>
+              <a:rPr lang="en-US" sz="900" dirty="0" smtClean="0">
+                <a:solidFill>
+                  <a:srgbClr val="000000"/>
+                </a:solidFill>
+                <a:latin typeface="Courier New" panose="02070309020205020404" pitchFamily="49" charset="0"/>
+                <a:cs typeface="Courier New" panose="02070309020205020404" pitchFamily="49" charset="0"/>
+              </a:rPr>
+              <a:t>), .RV(1’b1))</a:t>
+            </a:r>
+          </a:p>
+          <a:p>
+            <a:r>
+              <a:rPr lang="en-US" sz="900" dirty="0" err="1" smtClean="0">
                 <a:solidFill>
                   <a:srgbClr val="000000"/>
                 </a:solidFill>
@@ -5230,13 +5177,6 @@
               </a:rPr>
               <a:t>BTN_DN</a:t>
             </a:r>
-            <a:endParaRPr lang="en-US" sz="900" dirty="0">
-              <a:solidFill>
-                <a:srgbClr val="000000"/>
-              </a:solidFill>
-              <a:latin typeface="Courier New" panose="02070309020205020404" pitchFamily="49" charset="0"/>
-              <a:cs typeface="Courier New" panose="02070309020205020404" pitchFamily="49" charset="0"/>
-            </a:endParaRPr>
           </a:p>
         </p:txBody>
       </p:sp>
@@ -5330,13 +5270,6 @@
               </a:rPr>
               <a:t>12’d2499</a:t>
             </a:r>
-            <a:endParaRPr lang="en-US" sz="900" dirty="0">
-              <a:solidFill>
-                <a:srgbClr val="000000"/>
-              </a:solidFill>
-              <a:latin typeface="Courier New" panose="02070309020205020404" pitchFamily="49" charset="0"/>
-              <a:cs typeface="Courier New" panose="02070309020205020404" pitchFamily="49" charset="0"/>
-            </a:endParaRPr>
           </a:p>
         </p:txBody>
       </p:sp>
@@ -5598,7 +5531,7 @@
         </p:nvSpPr>
         <p:spPr>
           <a:xfrm>
-            <a:off x="4800600" y="2971800"/>
+            <a:off x="4800600" y="2819400"/>
             <a:ext cx="457200" cy="152400"/>
           </a:xfrm>
           <a:prstGeom prst="rect">
@@ -5639,13 +5572,6 @@
               </a:rPr>
               <a:t>BTN_UP</a:t>
             </a:r>
-            <a:endParaRPr lang="en-US" sz="900" dirty="0">
-              <a:solidFill>
-                <a:srgbClr val="000000"/>
-              </a:solidFill>
-              <a:latin typeface="Courier New" panose="02070309020205020404" pitchFamily="49" charset="0"/>
-              <a:cs typeface="Courier New" panose="02070309020205020404" pitchFamily="49" charset="0"/>
-            </a:endParaRPr>
           </a:p>
         </p:txBody>
       </p:sp>
@@ -5698,13 +5624,6 @@
               </a:rPr>
               <a:t>BTN_DN</a:t>
             </a:r>
-            <a:endParaRPr lang="en-US" sz="900" dirty="0">
-              <a:solidFill>
-                <a:srgbClr val="000000"/>
-              </a:solidFill>
-              <a:latin typeface="Courier New" panose="02070309020205020404" pitchFamily="49" charset="0"/>
-              <a:cs typeface="Courier New" panose="02070309020205020404" pitchFamily="49" charset="0"/>
-            </a:endParaRPr>
           </a:p>
         </p:txBody>
       </p:sp>
@@ -5757,13 +5676,6 @@
               </a:rPr>
               <a:t>CLK</a:t>
             </a:r>
-            <a:endParaRPr lang="en-US" sz="900" dirty="0">
-              <a:solidFill>
-                <a:srgbClr val="000000"/>
-              </a:solidFill>
-              <a:latin typeface="Courier New" panose="02070309020205020404" pitchFamily="49" charset="0"/>
-              <a:cs typeface="Courier New" panose="02070309020205020404" pitchFamily="49" charset="0"/>
-            </a:endParaRPr>
           </a:p>
         </p:txBody>
       </p:sp>
@@ -5890,13 +5802,6 @@
               </a:rPr>
               <a:t>RSTX</a:t>
             </a:r>
-            <a:endParaRPr lang="en-US" sz="900" dirty="0">
-              <a:solidFill>
-                <a:srgbClr val="000000"/>
-              </a:solidFill>
-              <a:latin typeface="Courier New" panose="02070309020205020404" pitchFamily="49" charset="0"/>
-              <a:cs typeface="Courier New" panose="02070309020205020404" pitchFamily="49" charset="0"/>
-            </a:endParaRPr>
           </a:p>
         </p:txBody>
       </p:sp>
@@ -5950,13 +5855,6 @@
               </a:rPr>
               <a:t>DIGIT1</a:t>
             </a:r>
-            <a:endParaRPr lang="en-US" sz="900" dirty="0">
-              <a:solidFill>
-                <a:srgbClr val="000000"/>
-              </a:solidFill>
-              <a:latin typeface="Courier New" panose="02070309020205020404" pitchFamily="49" charset="0"/>
-              <a:cs typeface="Courier New" panose="02070309020205020404" pitchFamily="49" charset="0"/>
-            </a:endParaRPr>
           </a:p>
         </p:txBody>
       </p:sp>
@@ -6069,13 +5967,6 @@
               </a:rPr>
               <a:t>DIGIT0</a:t>
             </a:r>
-            <a:endParaRPr lang="en-US" sz="900" dirty="0">
-              <a:solidFill>
-                <a:srgbClr val="000000"/>
-              </a:solidFill>
-              <a:latin typeface="Courier New" panose="02070309020205020404" pitchFamily="49" charset="0"/>
-              <a:cs typeface="Courier New" panose="02070309020205020404" pitchFamily="49" charset="0"/>
-            </a:endParaRPr>
           </a:p>
         </p:txBody>
       </p:sp>
@@ -6129,13 +6020,6 @@
               </a:rPr>
               <a:t>RSTXO</a:t>
             </a:r>
-            <a:endParaRPr lang="en-US" sz="900" dirty="0">
-              <a:solidFill>
-                <a:srgbClr val="000000"/>
-              </a:solidFill>
-              <a:latin typeface="Courier New" panose="02070309020205020404" pitchFamily="49" charset="0"/>
-              <a:cs typeface="Courier New" panose="02070309020205020404" pitchFamily="49" charset="0"/>
-            </a:endParaRPr>
           </a:p>
         </p:txBody>
       </p:sp>
@@ -6147,7 +6031,7 @@
         </p:nvCxnSpPr>
         <p:spPr>
           <a:xfrm>
-            <a:off x="1295400" y="3505200"/>
+            <a:off x="1295400" y="3352800"/>
             <a:ext cx="304800" cy="0"/>
           </a:xfrm>
           <a:prstGeom prst="line">
@@ -6221,8 +6105,8 @@
         </p:nvCxnSpPr>
         <p:spPr>
           <a:xfrm flipV="1">
-            <a:off x="1295406" y="3505200"/>
-            <a:ext cx="0" cy="2514600"/>
+            <a:off x="1295406" y="3352800"/>
+            <a:ext cx="0" cy="2667000"/>
           </a:xfrm>
           <a:prstGeom prst="line">
             <a:avLst/>
@@ -6451,13 +6335,6 @@
               </a:rPr>
               <a:t>1</a:t>
             </a:r>
-            <a:endParaRPr lang="en-US" sz="900" dirty="0">
-              <a:solidFill>
-                <a:srgbClr val="000000"/>
-              </a:solidFill>
-              <a:latin typeface="Courier New" panose="02070309020205020404" pitchFamily="49" charset="0"/>
-              <a:cs typeface="Courier New" panose="02070309020205020404" pitchFamily="49" charset="0"/>
-            </a:endParaRPr>
           </a:p>
         </p:txBody>
       </p:sp>
@@ -6570,13 +6447,6 @@
               </a:rPr>
               <a:t>DIV32</a:t>
             </a:r>
-            <a:endParaRPr lang="en-US" sz="900" dirty="0">
-              <a:solidFill>
-                <a:srgbClr val="000000"/>
-              </a:solidFill>
-              <a:latin typeface="Courier New" panose="02070309020205020404" pitchFamily="49" charset="0"/>
-              <a:cs typeface="Courier New" panose="02070309020205020404" pitchFamily="49" charset="0"/>
-            </a:endParaRPr>
           </a:p>
         </p:txBody>
       </p:sp>
@@ -6631,13 +6501,6 @@
               </a:rPr>
               <a:t>blink_7seg</a:t>
             </a:r>
-            <a:endParaRPr lang="en-US" sz="900" dirty="0">
-              <a:solidFill>
-                <a:schemeClr val="tx1"/>
-              </a:solidFill>
-              <a:latin typeface="Courier New" panose="02070309020205020404" pitchFamily="49" charset="0"/>
-              <a:cs typeface="Courier New" panose="02070309020205020404" pitchFamily="49" charset="0"/>
-            </a:endParaRPr>
           </a:p>
         </p:txBody>
       </p:sp>
@@ -6690,13 +6553,6 @@
               </a:rPr>
               <a:t>DIGIT1</a:t>
             </a:r>
-            <a:endParaRPr lang="en-US" sz="900" dirty="0">
-              <a:solidFill>
-                <a:srgbClr val="000000"/>
-              </a:solidFill>
-              <a:latin typeface="Courier New" panose="02070309020205020404" pitchFamily="49" charset="0"/>
-              <a:cs typeface="Courier New" panose="02070309020205020404" pitchFamily="49" charset="0"/>
-            </a:endParaRPr>
           </a:p>
         </p:txBody>
       </p:sp>
@@ -6749,13 +6605,6 @@
               </a:rPr>
               <a:t>DIGIT0</a:t>
             </a:r>
-            <a:endParaRPr lang="en-US" sz="900" dirty="0">
-              <a:solidFill>
-                <a:srgbClr val="000000"/>
-              </a:solidFill>
-              <a:latin typeface="Courier New" panose="02070309020205020404" pitchFamily="49" charset="0"/>
-              <a:cs typeface="Courier New" panose="02070309020205020404" pitchFamily="49" charset="0"/>
-            </a:endParaRPr>
           </a:p>
         </p:txBody>
       </p:sp>
@@ -7110,13 +6959,6 @@
               </a:rPr>
               <a:t>1’b1</a:t>
             </a:r>
-            <a:endParaRPr lang="en-US" sz="900" dirty="0">
-              <a:solidFill>
-                <a:srgbClr val="000000"/>
-              </a:solidFill>
-              <a:latin typeface="Courier New" panose="02070309020205020404" pitchFamily="49" charset="0"/>
-              <a:cs typeface="Courier New" panose="02070309020205020404" pitchFamily="49" charset="0"/>
-            </a:endParaRPr>
           </a:p>
         </p:txBody>
       </p:sp>
@@ -7266,13 +7108,6 @@
               </a:rPr>
               <a:t>7</a:t>
             </a:r>
-            <a:endParaRPr lang="en-US" sz="900" dirty="0">
-              <a:solidFill>
-                <a:srgbClr val="000000"/>
-              </a:solidFill>
-              <a:latin typeface="Courier New" panose="02070309020205020404" pitchFamily="49" charset="0"/>
-              <a:cs typeface="Courier New" panose="02070309020205020404" pitchFamily="49" charset="0"/>
-            </a:endParaRPr>
           </a:p>
         </p:txBody>
       </p:sp>
@@ -7363,13 +7198,6 @@
               </a:rPr>
               <a:t>7</a:t>
             </a:r>
-            <a:endParaRPr lang="en-US" sz="900" dirty="0">
-              <a:solidFill>
-                <a:srgbClr val="000000"/>
-              </a:solidFill>
-              <a:latin typeface="Courier New" panose="02070309020205020404" pitchFamily="49" charset="0"/>
-              <a:cs typeface="Courier New" panose="02070309020205020404" pitchFamily="49" charset="0"/>
-            </a:endParaRPr>
           </a:p>
         </p:txBody>
       </p:sp>
@@ -7422,13 +7250,6 @@
               </a:rPr>
               <a:t>digit1</a:t>
             </a:r>
-            <a:endParaRPr lang="en-US" sz="900" dirty="0">
-              <a:solidFill>
-                <a:srgbClr val="000000"/>
-              </a:solidFill>
-              <a:latin typeface="Courier New" panose="02070309020205020404" pitchFamily="49" charset="0"/>
-              <a:cs typeface="Courier New" panose="02070309020205020404" pitchFamily="49" charset="0"/>
-            </a:endParaRPr>
           </a:p>
         </p:txBody>
       </p:sp>
@@ -7481,13 +7302,6 @@
               </a:rPr>
               <a:t>digit0</a:t>
             </a:r>
-            <a:endParaRPr lang="en-US" sz="900" dirty="0">
-              <a:solidFill>
-                <a:srgbClr val="000000"/>
-              </a:solidFill>
-              <a:latin typeface="Courier New" panose="02070309020205020404" pitchFamily="49" charset="0"/>
-              <a:cs typeface="Courier New" panose="02070309020205020404" pitchFamily="49" charset="0"/>
-            </a:endParaRPr>
           </a:p>
         </p:txBody>
       </p:sp>
@@ -7540,13 +7354,6 @@
               </a:rPr>
               <a:t>DIGIT3</a:t>
             </a:r>
-            <a:endParaRPr lang="en-US" sz="900" dirty="0">
-              <a:solidFill>
-                <a:srgbClr val="000000"/>
-              </a:solidFill>
-              <a:latin typeface="Courier New" panose="02070309020205020404" pitchFamily="49" charset="0"/>
-              <a:cs typeface="Courier New" panose="02070309020205020404" pitchFamily="49" charset="0"/>
-            </a:endParaRPr>
           </a:p>
         </p:txBody>
       </p:sp>
@@ -7599,13 +7406,6 @@
               </a:rPr>
               <a:t>DIGIT2</a:t>
             </a:r>
-            <a:endParaRPr lang="en-US" sz="900" dirty="0">
-              <a:solidFill>
-                <a:srgbClr val="000000"/>
-              </a:solidFill>
-              <a:latin typeface="Courier New" panose="02070309020205020404" pitchFamily="49" charset="0"/>
-              <a:cs typeface="Courier New" panose="02070309020205020404" pitchFamily="49" charset="0"/>
-            </a:endParaRPr>
           </a:p>
         </p:txBody>
       </p:sp>
@@ -7699,13 +7499,6 @@
               </a:rPr>
               <a:t>~8’d0</a:t>
             </a:r>
-            <a:endParaRPr lang="en-US" sz="900" dirty="0">
-              <a:solidFill>
-                <a:srgbClr val="000000"/>
-              </a:solidFill>
-              <a:latin typeface="Courier New" panose="02070309020205020404" pitchFamily="49" charset="0"/>
-              <a:cs typeface="Courier New" panose="02070309020205020404" pitchFamily="49" charset="0"/>
-            </a:endParaRPr>
           </a:p>
         </p:txBody>
       </p:sp>
@@ -7799,13 +7592,6 @@
               </a:rPr>
               <a:t>~8’d0</a:t>
             </a:r>
-            <a:endParaRPr lang="en-US" sz="900" dirty="0">
-              <a:solidFill>
-                <a:srgbClr val="000000"/>
-              </a:solidFill>
-              <a:latin typeface="Courier New" panose="02070309020205020404" pitchFamily="49" charset="0"/>
-              <a:cs typeface="Courier New" panose="02070309020205020404" pitchFamily="49" charset="0"/>
-            </a:endParaRPr>
           </a:p>
         </p:txBody>
       </p:sp>
@@ -7858,13 +7644,6 @@
               </a:rPr>
               <a:t>#(.BW(6)) i_blink_7seg</a:t>
             </a:r>
-            <a:endParaRPr lang="en-US" sz="900" dirty="0">
-              <a:solidFill>
-                <a:srgbClr val="000000"/>
-              </a:solidFill>
-              <a:latin typeface="Courier New" panose="02070309020205020404" pitchFamily="49" charset="0"/>
-              <a:cs typeface="Courier New" panose="02070309020205020404" pitchFamily="49" charset="0"/>
-            </a:endParaRPr>
           </a:p>
         </p:txBody>
       </p:sp>
@@ -7917,13 +7696,6 @@
               </a:rPr>
               <a:t>TIMEOUT</a:t>
             </a:r>
-            <a:endParaRPr lang="en-US" sz="900" dirty="0">
-              <a:solidFill>
-                <a:srgbClr val="000000"/>
-              </a:solidFill>
-              <a:latin typeface="Courier New" panose="02070309020205020404" pitchFamily="49" charset="0"/>
-              <a:cs typeface="Courier New" panose="02070309020205020404" pitchFamily="49" charset="0"/>
-            </a:endParaRPr>
           </a:p>
         </p:txBody>
       </p:sp>
@@ -8017,13 +7789,6 @@
               </a:rPr>
               <a:t>6’d49</a:t>
             </a:r>
-            <a:endParaRPr lang="en-US" sz="900" dirty="0">
-              <a:solidFill>
-                <a:srgbClr val="000000"/>
-              </a:solidFill>
-              <a:latin typeface="Courier New" panose="02070309020205020404" pitchFamily="49" charset="0"/>
-              <a:cs typeface="Courier New" panose="02070309020205020404" pitchFamily="49" charset="0"/>
-            </a:endParaRPr>
           </a:p>
         </p:txBody>
       </p:sp>
@@ -8077,13 +7842,6 @@
               </a:rPr>
               <a:t>DIGIT</a:t>
             </a:r>
-            <a:endParaRPr lang="en-US" sz="900" dirty="0">
-              <a:solidFill>
-                <a:srgbClr val="000000"/>
-              </a:solidFill>
-              <a:latin typeface="Courier New" panose="02070309020205020404" pitchFamily="49" charset="0"/>
-              <a:cs typeface="Courier New" panose="02070309020205020404" pitchFamily="49" charset="0"/>
-            </a:endParaRPr>
           </a:p>
         </p:txBody>
       </p:sp>
@@ -8137,13 +7895,6 @@
               </a:rPr>
               <a:t>DIGIT_SEL</a:t>
             </a:r>
-            <a:endParaRPr lang="en-US" sz="900" dirty="0">
-              <a:solidFill>
-                <a:srgbClr val="000000"/>
-              </a:solidFill>
-              <a:latin typeface="Courier New" panose="02070309020205020404" pitchFamily="49" charset="0"/>
-              <a:cs typeface="Courier New" panose="02070309020205020404" pitchFamily="49" charset="0"/>
-            </a:endParaRPr>
           </a:p>
         </p:txBody>
       </p:sp>
@@ -8196,13 +7947,6 @@
               </a:rPr>
               <a:t>RSTX</a:t>
             </a:r>
-            <a:endParaRPr lang="en-US" sz="900" dirty="0">
-              <a:solidFill>
-                <a:srgbClr val="000000"/>
-              </a:solidFill>
-              <a:latin typeface="Courier New" panose="02070309020205020404" pitchFamily="49" charset="0"/>
-              <a:cs typeface="Courier New" panose="02070309020205020404" pitchFamily="49" charset="0"/>
-            </a:endParaRPr>
           </a:p>
         </p:txBody>
       </p:sp>
@@ -8255,13 +7999,6 @@
               </a:rPr>
               <a:t>CLK</a:t>
             </a:r>
-            <a:endParaRPr lang="en-US" sz="900" dirty="0">
-              <a:solidFill>
-                <a:srgbClr val="000000"/>
-              </a:solidFill>
-              <a:latin typeface="Courier New" panose="02070309020205020404" pitchFamily="49" charset="0"/>
-              <a:cs typeface="Courier New" panose="02070309020205020404" pitchFamily="49" charset="0"/>
-            </a:endParaRPr>
           </a:p>
         </p:txBody>
       </p:sp>
@@ -8675,7 +8412,7 @@
         </p:nvCxnSpPr>
         <p:spPr>
           <a:xfrm flipH="1">
-            <a:off x="1447800" y="3810000"/>
+            <a:off x="1447800" y="3657600"/>
             <a:ext cx="152400" cy="0"/>
           </a:xfrm>
           <a:prstGeom prst="line">
@@ -8712,8 +8449,8 @@
         </p:nvCxnSpPr>
         <p:spPr>
           <a:xfrm flipV="1">
-            <a:off x="1447800" y="3810000"/>
-            <a:ext cx="0" cy="2819400"/>
+            <a:off x="1447800" y="3657600"/>
+            <a:ext cx="0" cy="2971800"/>
           </a:xfrm>
           <a:prstGeom prst="line">
             <a:avLst/>
@@ -8827,13 +8564,6 @@
               </a:rPr>
               <a:t>CLK</a:t>
             </a:r>
-            <a:endParaRPr lang="en-US" sz="900" dirty="0">
-              <a:solidFill>
-                <a:srgbClr val="000000"/>
-              </a:solidFill>
-              <a:latin typeface="Courier New" panose="02070309020205020404" pitchFamily="49" charset="0"/>
-              <a:cs typeface="Courier New" panose="02070309020205020404" pitchFamily="49" charset="0"/>
-            </a:endParaRPr>
           </a:p>
         </p:txBody>
       </p:sp>
@@ -9015,13 +8745,6 @@
               </a:rPr>
               <a:t>1</a:t>
             </a:r>
-            <a:endParaRPr lang="en-US" sz="900" dirty="0">
-              <a:solidFill>
-                <a:srgbClr val="000000"/>
-              </a:solidFill>
-              <a:latin typeface="Courier New" panose="02070309020205020404" pitchFamily="49" charset="0"/>
-              <a:cs typeface="Courier New" panose="02070309020205020404" pitchFamily="49" charset="0"/>
-            </a:endParaRPr>
           </a:p>
         </p:txBody>
       </p:sp>
@@ -9074,13 +8797,6 @@
               </a:rPr>
               <a:t>DIV32</a:t>
             </a:r>
-            <a:endParaRPr lang="en-US" sz="900" dirty="0">
-              <a:solidFill>
-                <a:srgbClr val="000000"/>
-              </a:solidFill>
-              <a:latin typeface="Courier New" panose="02070309020205020404" pitchFamily="49" charset="0"/>
-              <a:cs typeface="Courier New" panose="02070309020205020404" pitchFamily="49" charset="0"/>
-            </a:endParaRPr>
           </a:p>
         </p:txBody>
       </p:sp>
@@ -9262,13 +8978,6 @@
               </a:rPr>
               <a:t>4</a:t>
             </a:r>
-            <a:endParaRPr lang="en-US" sz="900" dirty="0">
-              <a:solidFill>
-                <a:srgbClr val="000000"/>
-              </a:solidFill>
-              <a:latin typeface="Courier New" panose="02070309020205020404" pitchFamily="49" charset="0"/>
-              <a:cs typeface="Courier New" panose="02070309020205020404" pitchFamily="49" charset="0"/>
-            </a:endParaRPr>
           </a:p>
         </p:txBody>
       </p:sp>
@@ -9321,13 +9030,6 @@
               </a:rPr>
               <a:t>DIGIT_SEL</a:t>
             </a:r>
-            <a:endParaRPr lang="en-US" sz="900" dirty="0">
-              <a:solidFill>
-                <a:srgbClr val="000000"/>
-              </a:solidFill>
-              <a:latin typeface="Courier New" panose="02070309020205020404" pitchFamily="49" charset="0"/>
-              <a:cs typeface="Courier New" panose="02070309020205020404" pitchFamily="49" charset="0"/>
-            </a:endParaRPr>
           </a:p>
         </p:txBody>
       </p:sp>
@@ -9509,13 +9211,6 @@
               </a:rPr>
               <a:t>8</a:t>
             </a:r>
-            <a:endParaRPr lang="en-US" sz="900" dirty="0">
-              <a:solidFill>
-                <a:srgbClr val="000000"/>
-              </a:solidFill>
-              <a:latin typeface="Courier New" panose="02070309020205020404" pitchFamily="49" charset="0"/>
-              <a:cs typeface="Courier New" panose="02070309020205020404" pitchFamily="49" charset="0"/>
-            </a:endParaRPr>
           </a:p>
         </p:txBody>
       </p:sp>
@@ -9568,13 +9263,6 @@
               </a:rPr>
               <a:t>DIGIT</a:t>
             </a:r>
-            <a:endParaRPr lang="en-US" sz="900" dirty="0">
-              <a:solidFill>
-                <a:srgbClr val="000000"/>
-              </a:solidFill>
-              <a:latin typeface="Courier New" panose="02070309020205020404" pitchFamily="49" charset="0"/>
-              <a:cs typeface="Courier New" panose="02070309020205020404" pitchFamily="49" charset="0"/>
-            </a:endParaRPr>
           </a:p>
         </p:txBody>
       </p:sp>
@@ -9768,13 +9456,6 @@
               </a:rPr>
               <a:t>RSTX</a:t>
             </a:r>
-            <a:endParaRPr lang="en-US" sz="900" dirty="0">
-              <a:solidFill>
-                <a:srgbClr val="000000"/>
-              </a:solidFill>
-              <a:latin typeface="Courier New" panose="02070309020205020404" pitchFamily="49" charset="0"/>
-              <a:cs typeface="Courier New" panose="02070309020205020404" pitchFamily="49" charset="0"/>
-            </a:endParaRPr>
           </a:p>
         </p:txBody>
       </p:sp>

--- a/0040_pllsyn/rtl/schematic/pll_test.pptx
+++ b/0040_pllsyn/rtl/schematic/pll_test.pptx
@@ -197,7 +197,7 @@
           <a:p>
             <a:fld id="{B9E5BF02-4A65-43B2-AA51-912306618617}" type="datetimeFigureOut">
               <a:rPr lang="en-US" smtClean="0"/>
-              <a:t>9/13/2017</a:t>
+              <a:t>9/21/2017</a:t>
             </a:fld>
             <a:endParaRPr lang="en-US"/>
           </a:p>
@@ -685,7 +685,7 @@
           <a:p>
             <a:fld id="{F8F920B2-3E99-4C9D-9450-62A3DEC5476B}" type="datetimeFigureOut">
               <a:rPr lang="en-US" smtClean="0"/>
-              <a:t>9/13/2017</a:t>
+              <a:t>9/21/2017</a:t>
             </a:fld>
             <a:endParaRPr lang="en-US"/>
           </a:p>
@@ -855,7 +855,7 @@
           <a:p>
             <a:fld id="{F8F920B2-3E99-4C9D-9450-62A3DEC5476B}" type="datetimeFigureOut">
               <a:rPr lang="en-US" smtClean="0"/>
-              <a:t>9/13/2017</a:t>
+              <a:t>9/21/2017</a:t>
             </a:fld>
             <a:endParaRPr lang="en-US"/>
           </a:p>
@@ -1035,7 +1035,7 @@
           <a:p>
             <a:fld id="{F8F920B2-3E99-4C9D-9450-62A3DEC5476B}" type="datetimeFigureOut">
               <a:rPr lang="en-US" smtClean="0"/>
-              <a:t>9/13/2017</a:t>
+              <a:t>9/21/2017</a:t>
             </a:fld>
             <a:endParaRPr lang="en-US"/>
           </a:p>
@@ -1205,7 +1205,7 @@
           <a:p>
             <a:fld id="{F8F920B2-3E99-4C9D-9450-62A3DEC5476B}" type="datetimeFigureOut">
               <a:rPr lang="en-US" smtClean="0"/>
-              <a:t>9/13/2017</a:t>
+              <a:t>9/21/2017</a:t>
             </a:fld>
             <a:endParaRPr lang="en-US"/>
           </a:p>
@@ -1449,7 +1449,7 @@
           <a:p>
             <a:fld id="{F8F920B2-3E99-4C9D-9450-62A3DEC5476B}" type="datetimeFigureOut">
               <a:rPr lang="en-US" smtClean="0"/>
-              <a:t>9/13/2017</a:t>
+              <a:t>9/21/2017</a:t>
             </a:fld>
             <a:endParaRPr lang="en-US"/>
           </a:p>
@@ -1681,7 +1681,7 @@
           <a:p>
             <a:fld id="{F8F920B2-3E99-4C9D-9450-62A3DEC5476B}" type="datetimeFigureOut">
               <a:rPr lang="en-US" smtClean="0"/>
-              <a:t>9/13/2017</a:t>
+              <a:t>9/21/2017</a:t>
             </a:fld>
             <a:endParaRPr lang="en-US"/>
           </a:p>
@@ -2048,7 +2048,7 @@
           <a:p>
             <a:fld id="{F8F920B2-3E99-4C9D-9450-62A3DEC5476B}" type="datetimeFigureOut">
               <a:rPr lang="en-US" smtClean="0"/>
-              <a:t>9/13/2017</a:t>
+              <a:t>9/21/2017</a:t>
             </a:fld>
             <a:endParaRPr lang="en-US"/>
           </a:p>
@@ -2166,7 +2166,7 @@
           <a:p>
             <a:fld id="{F8F920B2-3E99-4C9D-9450-62A3DEC5476B}" type="datetimeFigureOut">
               <a:rPr lang="en-US" smtClean="0"/>
-              <a:t>9/13/2017</a:t>
+              <a:t>9/21/2017</a:t>
             </a:fld>
             <a:endParaRPr lang="en-US"/>
           </a:p>
@@ -2261,7 +2261,7 @@
           <a:p>
             <a:fld id="{F8F920B2-3E99-4C9D-9450-62A3DEC5476B}" type="datetimeFigureOut">
               <a:rPr lang="en-US" smtClean="0"/>
-              <a:t>9/13/2017</a:t>
+              <a:t>9/21/2017</a:t>
             </a:fld>
             <a:endParaRPr lang="en-US"/>
           </a:p>
@@ -2538,7 +2538,7 @@
           <a:p>
             <a:fld id="{F8F920B2-3E99-4C9D-9450-62A3DEC5476B}" type="datetimeFigureOut">
               <a:rPr lang="en-US" smtClean="0"/>
-              <a:t>9/13/2017</a:t>
+              <a:t>9/21/2017</a:t>
             </a:fld>
             <a:endParaRPr lang="en-US"/>
           </a:p>
@@ -2795,7 +2795,7 @@
           <a:p>
             <a:fld id="{F8F920B2-3E99-4C9D-9450-62A3DEC5476B}" type="datetimeFigureOut">
               <a:rPr lang="en-US" smtClean="0"/>
-              <a:t>9/13/2017</a:t>
+              <a:t>9/21/2017</a:t>
             </a:fld>
             <a:endParaRPr lang="en-US"/>
           </a:p>
@@ -3008,7 +3008,7 @@
           <a:p>
             <a:fld id="{F8F920B2-3E99-4C9D-9450-62A3DEC5476B}" type="datetimeFigureOut">
               <a:rPr lang="en-US" smtClean="0"/>
-              <a:t>9/13/2017</a:t>
+              <a:t>9/21/2017</a:t>
             </a:fld>
             <a:endParaRPr lang="en-US"/>
           </a:p>
@@ -6950,15 +6950,22 @@
           <a:lstStyle/>
           <a:p>
             <a:r>
-              <a:rPr lang="en-US" sz="900" dirty="0">
+              <a:rPr lang="en-US" sz="900" dirty="0" smtClean="0">
                 <a:solidFill>
                   <a:srgbClr val="000000"/>
                 </a:solidFill>
                 <a:latin typeface="Courier New" panose="02070309020205020404" pitchFamily="49" charset="0"/>
                 <a:cs typeface="Courier New" panose="02070309020205020404" pitchFamily="49" charset="0"/>
               </a:rPr>
-              <a:t>1’b1</a:t>
-            </a:r>
+              <a:t>1’b0</a:t>
+            </a:r>
+            <a:endParaRPr lang="en-US" sz="900" dirty="0">
+              <a:solidFill>
+                <a:srgbClr val="000000"/>
+              </a:solidFill>
+              <a:latin typeface="Courier New" panose="02070309020205020404" pitchFamily="49" charset="0"/>
+              <a:cs typeface="Courier New" panose="02070309020205020404" pitchFamily="49" charset="0"/>
+            </a:endParaRPr>
           </a:p>
         </p:txBody>
       </p:sp>
@@ -7002,14 +7009,14 @@
           <a:lstStyle/>
           <a:p>
             <a:r>
-              <a:rPr lang="en-US" sz="900">
+              <a:rPr lang="en-US" sz="900" dirty="0" smtClean="0">
                 <a:solidFill>
                   <a:srgbClr val="000000"/>
                 </a:solidFill>
                 <a:latin typeface="Courier New" panose="02070309020205020404" pitchFamily="49" charset="0"/>
                 <a:cs typeface="Courier New" panose="02070309020205020404" pitchFamily="49" charset="0"/>
               </a:rPr>
-              <a:t>1’b1</a:t>
+              <a:t>1’b0</a:t>
             </a:r>
             <a:endParaRPr lang="en-US" sz="900" dirty="0">
               <a:solidFill>
@@ -7490,15 +7497,22 @@
           <a:p>
             <a:pPr algn="r"/>
             <a:r>
-              <a:rPr lang="en-US" sz="900" dirty="0">
+              <a:rPr lang="en-US" sz="900" dirty="0" smtClean="0">
                 <a:solidFill>
                   <a:srgbClr val="000000"/>
                 </a:solidFill>
                 <a:latin typeface="Courier New" panose="02070309020205020404" pitchFamily="49" charset="0"/>
                 <a:cs typeface="Courier New" panose="02070309020205020404" pitchFamily="49" charset="0"/>
               </a:rPr>
-              <a:t>~8’d0</a:t>
-            </a:r>
+              <a:t>8’d0</a:t>
+            </a:r>
+            <a:endParaRPr lang="en-US" sz="900" dirty="0">
+              <a:solidFill>
+                <a:srgbClr val="000000"/>
+              </a:solidFill>
+              <a:latin typeface="Courier New" panose="02070309020205020404" pitchFamily="49" charset="0"/>
+              <a:cs typeface="Courier New" panose="02070309020205020404" pitchFamily="49" charset="0"/>
+            </a:endParaRPr>
           </a:p>
         </p:txBody>
       </p:sp>
@@ -7583,15 +7597,22 @@
           <a:p>
             <a:pPr algn="r"/>
             <a:r>
-              <a:rPr lang="en-US" sz="900" dirty="0">
+              <a:rPr lang="en-US" sz="900" dirty="0" smtClean="0">
                 <a:solidFill>
                   <a:srgbClr val="000000"/>
                 </a:solidFill>
                 <a:latin typeface="Courier New" panose="02070309020205020404" pitchFamily="49" charset="0"/>
                 <a:cs typeface="Courier New" panose="02070309020205020404" pitchFamily="49" charset="0"/>
               </a:rPr>
-              <a:t>~8’d0</a:t>
-            </a:r>
+              <a:t>8’d0</a:t>
+            </a:r>
+            <a:endParaRPr lang="en-US" sz="900" dirty="0">
+              <a:solidFill>
+                <a:srgbClr val="000000"/>
+              </a:solidFill>
+              <a:latin typeface="Courier New" panose="02070309020205020404" pitchFamily="49" charset="0"/>
+              <a:cs typeface="Courier New" panose="02070309020205020404" pitchFamily="49" charset="0"/>
+            </a:endParaRPr>
           </a:p>
         </p:txBody>
       </p:sp>
